--- a/final project/Angular.pptx
+++ b/final project/Angular.pptx
@@ -303,7 +303,7 @@
           <a:p>
             <a:fld id="{3A4DE842-E3B8-4097-9F8A-C9DBE7787487}" type="datetimeFigureOut">
               <a:rPr lang="ar-EG" smtClean="0"/>
-              <a:t>07/06/1446</a:t>
+              <a:t>03/12/1446</a:t>
             </a:fld>
             <a:endParaRPr lang="ar-EG"/>
           </a:p>
@@ -578,7 +578,7 @@
           <a:p>
             <a:fld id="{3A4DE842-E3B8-4097-9F8A-C9DBE7787487}" type="datetimeFigureOut">
               <a:rPr lang="ar-EG" smtClean="0"/>
-              <a:t>07/06/1446</a:t>
+              <a:t>03/12/1446</a:t>
             </a:fld>
             <a:endParaRPr lang="ar-EG"/>
           </a:p>
@@ -772,7 +772,7 @@
           <a:p>
             <a:fld id="{3A4DE842-E3B8-4097-9F8A-C9DBE7787487}" type="datetimeFigureOut">
               <a:rPr lang="ar-EG" smtClean="0"/>
-              <a:t>07/06/1446</a:t>
+              <a:t>03/12/1446</a:t>
             </a:fld>
             <a:endParaRPr lang="ar-EG"/>
           </a:p>
@@ -1045,7 +1045,7 @@
           <a:p>
             <a:fld id="{3A4DE842-E3B8-4097-9F8A-C9DBE7787487}" type="datetimeFigureOut">
               <a:rPr lang="ar-EG" smtClean="0"/>
-              <a:t>07/06/1446</a:t>
+              <a:t>03/12/1446</a:t>
             </a:fld>
             <a:endParaRPr lang="ar-EG"/>
           </a:p>
@@ -1386,7 +1386,7 @@
           <a:p>
             <a:fld id="{3A4DE842-E3B8-4097-9F8A-C9DBE7787487}" type="datetimeFigureOut">
               <a:rPr lang="ar-EG" smtClean="0"/>
-              <a:t>07/06/1446</a:t>
+              <a:t>03/12/1446</a:t>
             </a:fld>
             <a:endParaRPr lang="ar-EG"/>
           </a:p>
@@ -2009,7 +2009,7 @@
           <a:p>
             <a:fld id="{3A4DE842-E3B8-4097-9F8A-C9DBE7787487}" type="datetimeFigureOut">
               <a:rPr lang="ar-EG" smtClean="0"/>
-              <a:t>07/06/1446</a:t>
+              <a:t>03/12/1446</a:t>
             </a:fld>
             <a:endParaRPr lang="ar-EG"/>
           </a:p>
@@ -2869,7 +2869,7 @@
           <a:p>
             <a:fld id="{3A4DE842-E3B8-4097-9F8A-C9DBE7787487}" type="datetimeFigureOut">
               <a:rPr lang="ar-EG" smtClean="0"/>
-              <a:t>07/06/1446</a:t>
+              <a:t>03/12/1446</a:t>
             </a:fld>
             <a:endParaRPr lang="ar-EG"/>
           </a:p>
@@ -3039,7 +3039,7 @@
           <a:p>
             <a:fld id="{3A4DE842-E3B8-4097-9F8A-C9DBE7787487}" type="datetimeFigureOut">
               <a:rPr lang="ar-EG" smtClean="0"/>
-              <a:t>07/06/1446</a:t>
+              <a:t>03/12/1446</a:t>
             </a:fld>
             <a:endParaRPr lang="ar-EG"/>
           </a:p>
@@ -3219,7 +3219,7 @@
           <a:p>
             <a:fld id="{3A4DE842-E3B8-4097-9F8A-C9DBE7787487}" type="datetimeFigureOut">
               <a:rPr lang="ar-EG" smtClean="0"/>
-              <a:t>07/06/1446</a:t>
+              <a:t>03/12/1446</a:t>
             </a:fld>
             <a:endParaRPr lang="ar-EG"/>
           </a:p>
@@ -3389,7 +3389,7 @@
           <a:p>
             <a:fld id="{3A4DE842-E3B8-4097-9F8A-C9DBE7787487}" type="datetimeFigureOut">
               <a:rPr lang="ar-EG" smtClean="0"/>
-              <a:t>07/06/1446</a:t>
+              <a:t>03/12/1446</a:t>
             </a:fld>
             <a:endParaRPr lang="ar-EG"/>
           </a:p>
@@ -3636,7 +3636,7 @@
           <a:p>
             <a:fld id="{3A4DE842-E3B8-4097-9F8A-C9DBE7787487}" type="datetimeFigureOut">
               <a:rPr lang="ar-EG" smtClean="0"/>
-              <a:t>07/06/1446</a:t>
+              <a:t>03/12/1446</a:t>
             </a:fld>
             <a:endParaRPr lang="ar-EG"/>
           </a:p>
@@ -3928,7 +3928,7 @@
           <a:p>
             <a:fld id="{3A4DE842-E3B8-4097-9F8A-C9DBE7787487}" type="datetimeFigureOut">
               <a:rPr lang="ar-EG" smtClean="0"/>
-              <a:t>07/06/1446</a:t>
+              <a:t>03/12/1446</a:t>
             </a:fld>
             <a:endParaRPr lang="ar-EG"/>
           </a:p>
@@ -4372,7 +4372,7 @@
           <a:p>
             <a:fld id="{3A4DE842-E3B8-4097-9F8A-C9DBE7787487}" type="datetimeFigureOut">
               <a:rPr lang="ar-EG" smtClean="0"/>
-              <a:t>07/06/1446</a:t>
+              <a:t>03/12/1446</a:t>
             </a:fld>
             <a:endParaRPr lang="ar-EG"/>
           </a:p>
@@ -4490,7 +4490,7 @@
           <a:p>
             <a:fld id="{3A4DE842-E3B8-4097-9F8A-C9DBE7787487}" type="datetimeFigureOut">
               <a:rPr lang="ar-EG" smtClean="0"/>
-              <a:t>07/06/1446</a:t>
+              <a:t>03/12/1446</a:t>
             </a:fld>
             <a:endParaRPr lang="ar-EG"/>
           </a:p>
@@ -4585,7 +4585,7 @@
           <a:p>
             <a:fld id="{3A4DE842-E3B8-4097-9F8A-C9DBE7787487}" type="datetimeFigureOut">
               <a:rPr lang="ar-EG" smtClean="0"/>
-              <a:t>07/06/1446</a:t>
+              <a:t>03/12/1446</a:t>
             </a:fld>
             <a:endParaRPr lang="ar-EG"/>
           </a:p>
@@ -4864,7 +4864,7 @@
           <a:p>
             <a:fld id="{3A4DE842-E3B8-4097-9F8A-C9DBE7787487}" type="datetimeFigureOut">
               <a:rPr lang="ar-EG" smtClean="0"/>
-              <a:t>07/06/1446</a:t>
+              <a:t>03/12/1446</a:t>
             </a:fld>
             <a:endParaRPr lang="ar-EG"/>
           </a:p>
@@ -5139,7 +5139,7 @@
           <a:p>
             <a:fld id="{3A4DE842-E3B8-4097-9F8A-C9DBE7787487}" type="datetimeFigureOut">
               <a:rPr lang="ar-EG" smtClean="0"/>
-              <a:t>07/06/1446</a:t>
+              <a:t>03/12/1446</a:t>
             </a:fld>
             <a:endParaRPr lang="ar-EG"/>
           </a:p>
@@ -5568,7 +5568,7 @@
           <a:p>
             <a:fld id="{3A4DE842-E3B8-4097-9F8A-C9DBE7787487}" type="datetimeFigureOut">
               <a:rPr lang="ar-EG" smtClean="0"/>
-              <a:t>07/06/1446</a:t>
+              <a:t>03/12/1446</a:t>
             </a:fld>
             <a:endParaRPr lang="ar-EG"/>
           </a:p>
@@ -6302,7 +6302,7 @@
         </p:nvSpPr>
         <p:spPr>
           <a:xfrm>
-            <a:off x="2426365" y="983980"/>
+            <a:off x="3271939" y="816832"/>
             <a:ext cx="6198432" cy="769441"/>
           </a:xfrm>
           <a:prstGeom prst="rect">

--- a/final project/Angular.pptx
+++ b/final project/Angular.pptx
@@ -303,7 +303,7 @@
           <a:p>
             <a:fld id="{3A4DE842-E3B8-4097-9F8A-C9DBE7787487}" type="datetimeFigureOut">
               <a:rPr lang="ar-EG" smtClean="0"/>
-              <a:t>03/12/1446</a:t>
+              <a:t>21/02/1447</a:t>
             </a:fld>
             <a:endParaRPr lang="ar-EG"/>
           </a:p>
@@ -578,7 +578,7 @@
           <a:p>
             <a:fld id="{3A4DE842-E3B8-4097-9F8A-C9DBE7787487}" type="datetimeFigureOut">
               <a:rPr lang="ar-EG" smtClean="0"/>
-              <a:t>03/12/1446</a:t>
+              <a:t>21/02/1447</a:t>
             </a:fld>
             <a:endParaRPr lang="ar-EG"/>
           </a:p>
@@ -772,7 +772,7 @@
           <a:p>
             <a:fld id="{3A4DE842-E3B8-4097-9F8A-C9DBE7787487}" type="datetimeFigureOut">
               <a:rPr lang="ar-EG" smtClean="0"/>
-              <a:t>03/12/1446</a:t>
+              <a:t>21/02/1447</a:t>
             </a:fld>
             <a:endParaRPr lang="ar-EG"/>
           </a:p>
@@ -1045,7 +1045,7 @@
           <a:p>
             <a:fld id="{3A4DE842-E3B8-4097-9F8A-C9DBE7787487}" type="datetimeFigureOut">
               <a:rPr lang="ar-EG" smtClean="0"/>
-              <a:t>03/12/1446</a:t>
+              <a:t>21/02/1447</a:t>
             </a:fld>
             <a:endParaRPr lang="ar-EG"/>
           </a:p>
@@ -1386,7 +1386,7 @@
           <a:p>
             <a:fld id="{3A4DE842-E3B8-4097-9F8A-C9DBE7787487}" type="datetimeFigureOut">
               <a:rPr lang="ar-EG" smtClean="0"/>
-              <a:t>03/12/1446</a:t>
+              <a:t>21/02/1447</a:t>
             </a:fld>
             <a:endParaRPr lang="ar-EG"/>
           </a:p>
@@ -2009,7 +2009,7 @@
           <a:p>
             <a:fld id="{3A4DE842-E3B8-4097-9F8A-C9DBE7787487}" type="datetimeFigureOut">
               <a:rPr lang="ar-EG" smtClean="0"/>
-              <a:t>03/12/1446</a:t>
+              <a:t>21/02/1447</a:t>
             </a:fld>
             <a:endParaRPr lang="ar-EG"/>
           </a:p>
@@ -2869,7 +2869,7 @@
           <a:p>
             <a:fld id="{3A4DE842-E3B8-4097-9F8A-C9DBE7787487}" type="datetimeFigureOut">
               <a:rPr lang="ar-EG" smtClean="0"/>
-              <a:t>03/12/1446</a:t>
+              <a:t>21/02/1447</a:t>
             </a:fld>
             <a:endParaRPr lang="ar-EG"/>
           </a:p>
@@ -3039,7 +3039,7 @@
           <a:p>
             <a:fld id="{3A4DE842-E3B8-4097-9F8A-C9DBE7787487}" type="datetimeFigureOut">
               <a:rPr lang="ar-EG" smtClean="0"/>
-              <a:t>03/12/1446</a:t>
+              <a:t>21/02/1447</a:t>
             </a:fld>
             <a:endParaRPr lang="ar-EG"/>
           </a:p>
@@ -3219,7 +3219,7 @@
           <a:p>
             <a:fld id="{3A4DE842-E3B8-4097-9F8A-C9DBE7787487}" type="datetimeFigureOut">
               <a:rPr lang="ar-EG" smtClean="0"/>
-              <a:t>03/12/1446</a:t>
+              <a:t>21/02/1447</a:t>
             </a:fld>
             <a:endParaRPr lang="ar-EG"/>
           </a:p>
@@ -3389,7 +3389,7 @@
           <a:p>
             <a:fld id="{3A4DE842-E3B8-4097-9F8A-C9DBE7787487}" type="datetimeFigureOut">
               <a:rPr lang="ar-EG" smtClean="0"/>
-              <a:t>03/12/1446</a:t>
+              <a:t>21/02/1447</a:t>
             </a:fld>
             <a:endParaRPr lang="ar-EG"/>
           </a:p>
@@ -3636,7 +3636,7 @@
           <a:p>
             <a:fld id="{3A4DE842-E3B8-4097-9F8A-C9DBE7787487}" type="datetimeFigureOut">
               <a:rPr lang="ar-EG" smtClean="0"/>
-              <a:t>03/12/1446</a:t>
+              <a:t>21/02/1447</a:t>
             </a:fld>
             <a:endParaRPr lang="ar-EG"/>
           </a:p>
@@ -3928,7 +3928,7 @@
           <a:p>
             <a:fld id="{3A4DE842-E3B8-4097-9F8A-C9DBE7787487}" type="datetimeFigureOut">
               <a:rPr lang="ar-EG" smtClean="0"/>
-              <a:t>03/12/1446</a:t>
+              <a:t>21/02/1447</a:t>
             </a:fld>
             <a:endParaRPr lang="ar-EG"/>
           </a:p>
@@ -4372,7 +4372,7 @@
           <a:p>
             <a:fld id="{3A4DE842-E3B8-4097-9F8A-C9DBE7787487}" type="datetimeFigureOut">
               <a:rPr lang="ar-EG" smtClean="0"/>
-              <a:t>03/12/1446</a:t>
+              <a:t>21/02/1447</a:t>
             </a:fld>
             <a:endParaRPr lang="ar-EG"/>
           </a:p>
@@ -4490,7 +4490,7 @@
           <a:p>
             <a:fld id="{3A4DE842-E3B8-4097-9F8A-C9DBE7787487}" type="datetimeFigureOut">
               <a:rPr lang="ar-EG" smtClean="0"/>
-              <a:t>03/12/1446</a:t>
+              <a:t>21/02/1447</a:t>
             </a:fld>
             <a:endParaRPr lang="ar-EG"/>
           </a:p>
@@ -4585,7 +4585,7 @@
           <a:p>
             <a:fld id="{3A4DE842-E3B8-4097-9F8A-C9DBE7787487}" type="datetimeFigureOut">
               <a:rPr lang="ar-EG" smtClean="0"/>
-              <a:t>03/12/1446</a:t>
+              <a:t>21/02/1447</a:t>
             </a:fld>
             <a:endParaRPr lang="ar-EG"/>
           </a:p>
@@ -4864,7 +4864,7 @@
           <a:p>
             <a:fld id="{3A4DE842-E3B8-4097-9F8A-C9DBE7787487}" type="datetimeFigureOut">
               <a:rPr lang="ar-EG" smtClean="0"/>
-              <a:t>03/12/1446</a:t>
+              <a:t>21/02/1447</a:t>
             </a:fld>
             <a:endParaRPr lang="ar-EG"/>
           </a:p>
@@ -5139,7 +5139,7 @@
           <a:p>
             <a:fld id="{3A4DE842-E3B8-4097-9F8A-C9DBE7787487}" type="datetimeFigureOut">
               <a:rPr lang="ar-EG" smtClean="0"/>
-              <a:t>03/12/1446</a:t>
+              <a:t>21/02/1447</a:t>
             </a:fld>
             <a:endParaRPr lang="ar-EG"/>
           </a:p>
@@ -5568,7 +5568,7 @@
           <a:p>
             <a:fld id="{3A4DE842-E3B8-4097-9F8A-C9DBE7787487}" type="datetimeFigureOut">
               <a:rPr lang="ar-EG" smtClean="0"/>
-              <a:t>03/12/1446</a:t>
+              <a:t>21/02/1447</a:t>
             </a:fld>
             <a:endParaRPr lang="ar-EG"/>
           </a:p>
@@ -7435,6 +7435,36 @@
           </a:prstGeom>
         </p:spPr>
       </p:pic>
+      <p:pic>
+        <p:nvPicPr>
+          <p:cNvPr id="3" name="Picture 2">
+            <a:extLst>
+              <a:ext uri="{FF2B5EF4-FFF2-40B4-BE49-F238E27FC236}">
+                <a16:creationId xmlns:a16="http://schemas.microsoft.com/office/drawing/2014/main" id="{B55F8EC1-3E38-7085-65E5-60D051196674}"/>
+              </a:ext>
+            </a:extLst>
+          </p:cNvPr>
+          <p:cNvPicPr>
+            <a:picLocks noChangeAspect="1"/>
+          </p:cNvPicPr>
+          <p:nvPr/>
+        </p:nvPicPr>
+        <p:blipFill>
+          <a:blip r:embed="rId4"/>
+          <a:stretch>
+            <a:fillRect/>
+          </a:stretch>
+        </p:blipFill>
+        <p:spPr>
+          <a:xfrm>
+            <a:off x="1617768" y="1583606"/>
+            <a:ext cx="8067006" cy="3690787"/>
+          </a:xfrm>
+          <a:prstGeom prst="rect">
+            <a:avLst/>
+          </a:prstGeom>
+        </p:spPr>
+      </p:pic>
     </p:spTree>
     <p:extLst>
       <p:ext uri="{BB962C8B-B14F-4D97-AF65-F5344CB8AC3E}">
@@ -7621,6 +7651,36 @@
           <a:xfrm>
             <a:off x="-182880" y="-541080"/>
             <a:ext cx="3750085" cy="2435471"/>
+          </a:xfrm>
+          <a:prstGeom prst="rect">
+            <a:avLst/>
+          </a:prstGeom>
+        </p:spPr>
+      </p:pic>
+      <p:pic>
+        <p:nvPicPr>
+          <p:cNvPr id="3" name="Picture 2">
+            <a:extLst>
+              <a:ext uri="{FF2B5EF4-FFF2-40B4-BE49-F238E27FC236}">
+                <a16:creationId xmlns:a16="http://schemas.microsoft.com/office/drawing/2014/main" id="{DF22CE52-A43F-F235-B3E5-243192C12BDD}"/>
+              </a:ext>
+            </a:extLst>
+          </p:cNvPr>
+          <p:cNvPicPr>
+            <a:picLocks noChangeAspect="1"/>
+          </p:cNvPicPr>
+          <p:nvPr/>
+        </p:nvPicPr>
+        <p:blipFill>
+          <a:blip r:embed="rId4"/>
+          <a:stretch>
+            <a:fillRect/>
+          </a:stretch>
+        </p:blipFill>
+        <p:spPr>
+          <a:xfrm>
+            <a:off x="1015163" y="1659142"/>
+            <a:ext cx="9294590" cy="4523697"/>
           </a:xfrm>
           <a:prstGeom prst="rect">
             <a:avLst/>
